--- a/졸업작품 제안서/졸업작품 초안 수정본.pptx
+++ b/졸업작품 제안서/졸업작품 초안 수정본.pptx
@@ -284,7 +284,7 @@
               <a:pPr lvl="0">
                 <a:defRPr/>
               </a:pPr>
-              <a:t>2021-11-22</a:t>
+              <a:t>2021-11-23</a:t>
             </a:fld>
             <a:endParaRPr lang="ko-KR" altLang="en-US"/>
           </a:p>
@@ -1283,7 +1283,7 @@
     <mc:Choice Requires="p14">
       <p:transition/>
     </mc:Choice>
-    <mc:Fallback xmlns:dsp="http://schemas.microsoft.com/office/drawing/2008/diagram" xmlns:dgm="http://schemas.openxmlformats.org/drawingml/2006/diagram" xmlns:c="http://schemas.openxmlformats.org/drawingml/2006/chart" xmlns="">
+    <mc:Fallback xmlns="" xmlns:c="http://schemas.openxmlformats.org/drawingml/2006/chart" xmlns:dgm="http://schemas.openxmlformats.org/drawingml/2006/diagram" xmlns:dsp="http://schemas.microsoft.com/office/drawing/2008/diagram">
       <p:transition/>
     </mc:Fallback>
   </mc:AlternateContent>
@@ -1794,7 +1794,7 @@
     <mc:Choice Requires="p14">
       <p:transition/>
     </mc:Choice>
-    <mc:Fallback xmlns:dsp="http://schemas.microsoft.com/office/drawing/2008/diagram" xmlns:dgm="http://schemas.openxmlformats.org/drawingml/2006/diagram" xmlns:c="http://schemas.openxmlformats.org/drawingml/2006/chart" xmlns="">
+    <mc:Fallback xmlns="" xmlns:c="http://schemas.openxmlformats.org/drawingml/2006/chart" xmlns:dgm="http://schemas.openxmlformats.org/drawingml/2006/diagram" xmlns:dsp="http://schemas.microsoft.com/office/drawing/2008/diagram">
       <p:transition/>
     </mc:Fallback>
   </mc:AlternateContent>
@@ -2205,7 +2205,7 @@
     <mc:Choice Requires="p14">
       <p:transition/>
     </mc:Choice>
-    <mc:Fallback xmlns:dsp="http://schemas.microsoft.com/office/drawing/2008/diagram" xmlns:dgm="http://schemas.openxmlformats.org/drawingml/2006/diagram" xmlns:c="http://schemas.openxmlformats.org/drawingml/2006/chart" xmlns="">
+    <mc:Fallback xmlns="" xmlns:c="http://schemas.openxmlformats.org/drawingml/2006/chart" xmlns:dgm="http://schemas.openxmlformats.org/drawingml/2006/diagram" xmlns:dsp="http://schemas.microsoft.com/office/drawing/2008/diagram">
       <p:transition/>
     </mc:Fallback>
   </mc:AlternateContent>
@@ -2588,7 +2588,7 @@
     <mc:Choice Requires="p14">
       <p:transition/>
     </mc:Choice>
-    <mc:Fallback xmlns:dsp="http://schemas.microsoft.com/office/drawing/2008/diagram" xmlns:dgm="http://schemas.openxmlformats.org/drawingml/2006/diagram" xmlns:c="http://schemas.openxmlformats.org/drawingml/2006/chart" xmlns="">
+    <mc:Fallback xmlns="" xmlns:c="http://schemas.openxmlformats.org/drawingml/2006/chart" xmlns:dgm="http://schemas.openxmlformats.org/drawingml/2006/diagram" xmlns:dsp="http://schemas.microsoft.com/office/drawing/2008/diagram">
       <p:transition/>
     </mc:Fallback>
   </mc:AlternateContent>
@@ -3631,7 +3631,7 @@
     <mc:Choice Requires="p14">
       <p:transition/>
     </mc:Choice>
-    <mc:Fallback xmlns:dsp="http://schemas.microsoft.com/office/drawing/2008/diagram" xmlns:dgm="http://schemas.openxmlformats.org/drawingml/2006/diagram" xmlns:c="http://schemas.openxmlformats.org/drawingml/2006/chart" xmlns="">
+    <mc:Fallback xmlns="" xmlns:c="http://schemas.openxmlformats.org/drawingml/2006/chart" xmlns:dgm="http://schemas.openxmlformats.org/drawingml/2006/diagram" xmlns:dsp="http://schemas.microsoft.com/office/drawing/2008/diagram">
       <p:transition/>
     </mc:Fallback>
   </mc:AlternateContent>
@@ -4014,7 +4014,7 @@
     <mc:Choice Requires="p14">
       <p:transition/>
     </mc:Choice>
-    <mc:Fallback xmlns:dsp="http://schemas.microsoft.com/office/drawing/2008/diagram" xmlns:dgm="http://schemas.openxmlformats.org/drawingml/2006/diagram" xmlns:c="http://schemas.openxmlformats.org/drawingml/2006/chart" xmlns="">
+    <mc:Fallback xmlns="" xmlns:c="http://schemas.openxmlformats.org/drawingml/2006/chart" xmlns:dgm="http://schemas.openxmlformats.org/drawingml/2006/diagram" xmlns:dsp="http://schemas.microsoft.com/office/drawing/2008/diagram">
       <p:transition/>
     </mc:Fallback>
   </mc:AlternateContent>
@@ -4529,7 +4529,7 @@
     <mc:Choice Requires="p14">
       <p:transition/>
     </mc:Choice>
-    <mc:Fallback xmlns:dsp="http://schemas.microsoft.com/office/drawing/2008/diagram" xmlns:dgm="http://schemas.openxmlformats.org/drawingml/2006/diagram" xmlns:c="http://schemas.openxmlformats.org/drawingml/2006/chart" xmlns="">
+    <mc:Fallback xmlns="" xmlns:c="http://schemas.openxmlformats.org/drawingml/2006/chart" xmlns:dgm="http://schemas.openxmlformats.org/drawingml/2006/diagram" xmlns:dsp="http://schemas.microsoft.com/office/drawing/2008/diagram">
       <p:transition/>
     </mc:Fallback>
   </mc:AlternateContent>
@@ -4920,7 +4920,7 @@
     <mc:Choice Requires="p14">
       <p:transition/>
     </mc:Choice>
-    <mc:Fallback xmlns:dsp="http://schemas.microsoft.com/office/drawing/2008/diagram" xmlns:dgm="http://schemas.openxmlformats.org/drawingml/2006/diagram" xmlns:c="http://schemas.openxmlformats.org/drawingml/2006/chart" xmlns="">
+    <mc:Fallback xmlns="" xmlns:c="http://schemas.openxmlformats.org/drawingml/2006/chart" xmlns:dgm="http://schemas.openxmlformats.org/drawingml/2006/diagram" xmlns:dsp="http://schemas.microsoft.com/office/drawing/2008/diagram">
       <p:transition/>
     </mc:Fallback>
   </mc:AlternateContent>
@@ -5485,7 +5485,7 @@
     <mc:Choice Requires="p14">
       <p:transition/>
     </mc:Choice>
-    <mc:Fallback xmlns:dsp="http://schemas.microsoft.com/office/drawing/2008/diagram" xmlns:dgm="http://schemas.openxmlformats.org/drawingml/2006/diagram" xmlns:c="http://schemas.openxmlformats.org/drawingml/2006/chart" xmlns="">
+    <mc:Fallback xmlns="" xmlns:c="http://schemas.openxmlformats.org/drawingml/2006/chart" xmlns:dgm="http://schemas.openxmlformats.org/drawingml/2006/diagram" xmlns:dsp="http://schemas.microsoft.com/office/drawing/2008/diagram">
       <p:transition/>
     </mc:Fallback>
   </mc:AlternateContent>
@@ -6119,7 +6119,7 @@
     <mc:Choice Requires="p14">
       <p:transition/>
     </mc:Choice>
-    <mc:Fallback xmlns:dsp="http://schemas.microsoft.com/office/drawing/2008/diagram" xmlns:dgm="http://schemas.openxmlformats.org/drawingml/2006/diagram" xmlns:c="http://schemas.openxmlformats.org/drawingml/2006/chart" xmlns="">
+    <mc:Fallback xmlns="" xmlns:c="http://schemas.openxmlformats.org/drawingml/2006/chart" xmlns:dgm="http://schemas.openxmlformats.org/drawingml/2006/diagram" xmlns:dsp="http://schemas.microsoft.com/office/drawing/2008/diagram">
       <p:transition/>
     </mc:Fallback>
   </mc:AlternateContent>
@@ -6675,7 +6675,7 @@
     <mc:Choice Requires="p14">
       <p:transition/>
     </mc:Choice>
-    <mc:Fallback xmlns:dsp="http://schemas.microsoft.com/office/drawing/2008/diagram" xmlns:dgm="http://schemas.openxmlformats.org/drawingml/2006/diagram" xmlns:c="http://schemas.openxmlformats.org/drawingml/2006/chart" xmlns="">
+    <mc:Fallback xmlns="" xmlns:c="http://schemas.openxmlformats.org/drawingml/2006/chart" xmlns:dgm="http://schemas.openxmlformats.org/drawingml/2006/diagram" xmlns:dsp="http://schemas.microsoft.com/office/drawing/2008/diagram">
       <p:transition/>
     </mc:Fallback>
   </mc:AlternateContent>
@@ -7481,7 +7481,7 @@
     <mc:Choice Requires="p14">
       <p:transition/>
     </mc:Choice>
-    <mc:Fallback xmlns:dsp="http://schemas.microsoft.com/office/drawing/2008/diagram" xmlns:dgm="http://schemas.openxmlformats.org/drawingml/2006/diagram" xmlns:c="http://schemas.openxmlformats.org/drawingml/2006/chart" xmlns="">
+    <mc:Fallback xmlns="" xmlns:c="http://schemas.openxmlformats.org/drawingml/2006/chart" xmlns:dgm="http://schemas.openxmlformats.org/drawingml/2006/diagram" xmlns:dsp="http://schemas.microsoft.com/office/drawing/2008/diagram">
       <p:transition/>
     </mc:Fallback>
   </mc:AlternateContent>
@@ -8314,7 +8314,7 @@
     <mc:Choice Requires="p14">
       <p:transition/>
     </mc:Choice>
-    <mc:Fallback xmlns:dsp="http://schemas.microsoft.com/office/drawing/2008/diagram" xmlns:dgm="http://schemas.openxmlformats.org/drawingml/2006/diagram" xmlns:c="http://schemas.openxmlformats.org/drawingml/2006/chart" xmlns="">
+    <mc:Fallback xmlns="" xmlns:c="http://schemas.openxmlformats.org/drawingml/2006/chart" xmlns:dgm="http://schemas.openxmlformats.org/drawingml/2006/diagram" xmlns:dsp="http://schemas.microsoft.com/office/drawing/2008/diagram">
       <p:transition/>
     </mc:Fallback>
   </mc:AlternateContent>
@@ -8948,7 +8948,7 @@
     <mc:Choice Requires="p14">
       <p:transition/>
     </mc:Choice>
-    <mc:Fallback xmlns:dsp="http://schemas.microsoft.com/office/drawing/2008/diagram" xmlns:dgm="http://schemas.openxmlformats.org/drawingml/2006/diagram" xmlns:c="http://schemas.openxmlformats.org/drawingml/2006/chart" xmlns="">
+    <mc:Fallback xmlns="" xmlns:c="http://schemas.openxmlformats.org/drawingml/2006/chart" xmlns:dgm="http://schemas.openxmlformats.org/drawingml/2006/diagram" xmlns:dsp="http://schemas.microsoft.com/office/drawing/2008/diagram">
       <p:transition/>
     </mc:Fallback>
   </mc:AlternateContent>
@@ -9869,7 +9869,7 @@
     <mc:Choice Requires="p14">
       <p:transition/>
     </mc:Choice>
-    <mc:Fallback xmlns:dsp="http://schemas.microsoft.com/office/drawing/2008/diagram" xmlns:dgm="http://schemas.openxmlformats.org/drawingml/2006/diagram" xmlns:c="http://schemas.openxmlformats.org/drawingml/2006/chart" xmlns="">
+    <mc:Fallback xmlns="" xmlns:c="http://schemas.openxmlformats.org/drawingml/2006/chart" xmlns:dgm="http://schemas.openxmlformats.org/drawingml/2006/diagram" xmlns:dsp="http://schemas.microsoft.com/office/drawing/2008/diagram">
       <p:transition/>
     </mc:Fallback>
   </mc:AlternateContent>
@@ -10242,7 +10242,7 @@
     <mc:Choice Requires="p14">
       <p:transition/>
     </mc:Choice>
-    <mc:Fallback xmlns:dsp="http://schemas.microsoft.com/office/drawing/2008/diagram" xmlns:dgm="http://schemas.openxmlformats.org/drawingml/2006/diagram" xmlns:c="http://schemas.openxmlformats.org/drawingml/2006/chart" xmlns="">
+    <mc:Fallback xmlns="" xmlns:c="http://schemas.openxmlformats.org/drawingml/2006/chart" xmlns:dgm="http://schemas.openxmlformats.org/drawingml/2006/diagram" xmlns:dsp="http://schemas.microsoft.com/office/drawing/2008/diagram">
       <p:transition/>
     </mc:Fallback>
   </mc:AlternateContent>
@@ -10863,7 +10863,7 @@
     <mc:Choice Requires="p14">
       <p:transition/>
     </mc:Choice>
-    <mc:Fallback xmlns:dsp="http://schemas.microsoft.com/office/drawing/2008/diagram" xmlns:dgm="http://schemas.openxmlformats.org/drawingml/2006/diagram" xmlns:c="http://schemas.openxmlformats.org/drawingml/2006/chart" xmlns="">
+    <mc:Fallback xmlns="" xmlns:c="http://schemas.openxmlformats.org/drawingml/2006/chart" xmlns:dgm="http://schemas.openxmlformats.org/drawingml/2006/diagram" xmlns:dsp="http://schemas.microsoft.com/office/drawing/2008/diagram">
       <p:transition/>
     </mc:Fallback>
   </mc:AlternateContent>
@@ -11293,7 +11293,7 @@
             </a:r>
             <a:r>
               <a:rPr lang="en-US" altLang="ko-KR" sz="1200" dirty="0"/>
-              <a:t>: https://www.kocca.kr/cop/bbs/view/B0000147/1842858.do?searchCnd=&amp;searchWrd=&amp;cateTp1=&amp;cateTp2=&amp;useAt=&amp;menuNo=201825&amp;categorys=0&amp;subcate=0&amp;cateCode=&amp;type=&amp;instNo=0&amp;questionTp=&amp;uf_Setting=&amp;recovery=&amp;option1=&amp;option2=&amp;year=&amp;categoryCOM062=&amp;categoryCOM063=&amp;categoryCOM208=&amp;categoryInst=&amp;morePage=&amp;delCode=0&amp;qtp=&amp;pageIndex=1 </a:t>
+              <a:t>: https://www.kocca.kr/cop/bbs/view/B0000147/1845578.do?searchCnd=&amp;searchWrd=&amp;cateTp1=&amp;cateTp2=&amp;useAt=&amp;menuNo=201825&amp;categorys=0&amp;subcate=0&amp;cateCode=&amp;type=&amp;instNo=0&amp;questionTp=&amp;uf_Setting=&amp;recovery=&amp;option1=&amp;option2=&amp;year=&amp;categoryCOM062=&amp;categoryCOM063=&amp;categoryCOM208=&amp;categoryInst=&amp;morePage=&amp;delCode=0&amp;qtp=&amp;pageIndex=1#</a:t>
             </a:r>
             <a:r>
               <a:rPr lang="ko-KR" altLang="en-US" sz="1200" dirty="0"/>
@@ -11301,7 +11301,7 @@
             </a:r>
             <a:r>
               <a:rPr lang="en-US" altLang="ko-KR" sz="1200" dirty="0"/>
-              <a:t>2020 </a:t>
+              <a:t>2021 </a:t>
             </a:r>
             <a:r>
               <a:rPr lang="ko-KR" altLang="en-US" sz="1200" dirty="0"/>
@@ -11353,7 +11353,7 @@
     <mc:Choice Requires="p14">
       <p:transition/>
     </mc:Choice>
-    <mc:Fallback xmlns:dsp="http://schemas.microsoft.com/office/drawing/2008/diagram" xmlns:dgm="http://schemas.openxmlformats.org/drawingml/2006/diagram" xmlns:c="http://schemas.openxmlformats.org/drawingml/2006/chart" xmlns="">
+    <mc:Fallback xmlns="" xmlns:c="http://schemas.openxmlformats.org/drawingml/2006/chart" xmlns:dgm="http://schemas.openxmlformats.org/drawingml/2006/diagram" xmlns:dsp="http://schemas.microsoft.com/office/drawing/2008/diagram">
       <p:transition/>
     </mc:Fallback>
   </mc:AlternateContent>
@@ -12054,7 +12054,7 @@
     <mc:Choice Requires="p14">
       <p:transition/>
     </mc:Choice>
-    <mc:Fallback xmlns:dsp="http://schemas.microsoft.com/office/drawing/2008/diagram" xmlns:dgm="http://schemas.openxmlformats.org/drawingml/2006/diagram" xmlns:c="http://schemas.openxmlformats.org/drawingml/2006/chart" xmlns="">
+    <mc:Fallback xmlns="" xmlns:c="http://schemas.openxmlformats.org/drawingml/2006/chart" xmlns:dgm="http://schemas.openxmlformats.org/drawingml/2006/diagram" xmlns:dsp="http://schemas.microsoft.com/office/drawing/2008/diagram">
       <p:transition/>
     </mc:Fallback>
   </mc:AlternateContent>
@@ -12759,7 +12759,7 @@
     <mc:Choice Requires="p14">
       <p:transition/>
     </mc:Choice>
-    <mc:Fallback xmlns:dsp="http://schemas.microsoft.com/office/drawing/2008/diagram" xmlns:dgm="http://schemas.openxmlformats.org/drawingml/2006/diagram" xmlns:c="http://schemas.openxmlformats.org/drawingml/2006/chart" xmlns="">
+    <mc:Fallback xmlns="" xmlns:c="http://schemas.openxmlformats.org/drawingml/2006/chart" xmlns:dgm="http://schemas.openxmlformats.org/drawingml/2006/diagram" xmlns:dsp="http://schemas.microsoft.com/office/drawing/2008/diagram">
       <p:transition/>
     </mc:Fallback>
   </mc:AlternateContent>
@@ -13434,7 +13434,7 @@
     <mc:Choice Requires="p14">
       <p:transition/>
     </mc:Choice>
-    <mc:Fallback xmlns:dsp="http://schemas.microsoft.com/office/drawing/2008/diagram" xmlns:dgm="http://schemas.openxmlformats.org/drawingml/2006/diagram" xmlns:c="http://schemas.openxmlformats.org/drawingml/2006/chart" xmlns="">
+    <mc:Fallback xmlns="" xmlns:c="http://schemas.openxmlformats.org/drawingml/2006/chart" xmlns:dgm="http://schemas.openxmlformats.org/drawingml/2006/diagram" xmlns:dsp="http://schemas.microsoft.com/office/drawing/2008/diagram">
       <p:transition/>
     </mc:Fallback>
   </mc:AlternateContent>
@@ -14162,7 +14162,7 @@
     <mc:Choice Requires="p14">
       <p:transition/>
     </mc:Choice>
-    <mc:Fallback xmlns:dsp="http://schemas.microsoft.com/office/drawing/2008/diagram" xmlns:dgm="http://schemas.openxmlformats.org/drawingml/2006/diagram" xmlns:c="http://schemas.openxmlformats.org/drawingml/2006/chart" xmlns="">
+    <mc:Fallback xmlns="" xmlns:c="http://schemas.openxmlformats.org/drawingml/2006/chart" xmlns:dgm="http://schemas.openxmlformats.org/drawingml/2006/diagram" xmlns:dsp="http://schemas.microsoft.com/office/drawing/2008/diagram">
       <p:transition/>
     </mc:Fallback>
   </mc:AlternateContent>
@@ -14933,7 +14933,7 @@
     <mc:Choice Requires="p14">
       <p:transition/>
     </mc:Choice>
-    <mc:Fallback xmlns:dsp="http://schemas.microsoft.com/office/drawing/2008/diagram" xmlns:dgm="http://schemas.openxmlformats.org/drawingml/2006/diagram" xmlns:c="http://schemas.openxmlformats.org/drawingml/2006/chart" xmlns="">
+    <mc:Fallback xmlns="" xmlns:c="http://schemas.openxmlformats.org/drawingml/2006/chart" xmlns:dgm="http://schemas.openxmlformats.org/drawingml/2006/diagram" xmlns:dsp="http://schemas.microsoft.com/office/drawing/2008/diagram">
       <p:transition/>
     </mc:Fallback>
   </mc:AlternateContent>
@@ -15446,7 +15446,7 @@
     <mc:Choice Requires="p14">
       <p:transition/>
     </mc:Choice>
-    <mc:Fallback xmlns:dsp="http://schemas.microsoft.com/office/drawing/2008/diagram" xmlns:dgm="http://schemas.openxmlformats.org/drawingml/2006/diagram" xmlns:c="http://schemas.openxmlformats.org/drawingml/2006/chart" xmlns="">
+    <mc:Fallback xmlns="" xmlns:c="http://schemas.openxmlformats.org/drawingml/2006/chart" xmlns:dgm="http://schemas.openxmlformats.org/drawingml/2006/diagram" xmlns:dsp="http://schemas.microsoft.com/office/drawing/2008/diagram">
       <p:transition/>
     </mc:Fallback>
   </mc:AlternateContent>
@@ -15842,7 +15842,7 @@
     <mc:Choice Requires="p14">
       <p:transition/>
     </mc:Choice>
-    <mc:Fallback xmlns:dsp="http://schemas.microsoft.com/office/drawing/2008/diagram" xmlns:dgm="http://schemas.openxmlformats.org/drawingml/2006/diagram" xmlns:c="http://schemas.openxmlformats.org/drawingml/2006/chart" xmlns="">
+    <mc:Fallback xmlns="" xmlns:c="http://schemas.openxmlformats.org/drawingml/2006/chart" xmlns:dgm="http://schemas.openxmlformats.org/drawingml/2006/diagram" xmlns:dsp="http://schemas.microsoft.com/office/drawing/2008/diagram">
       <p:transition/>
     </mc:Fallback>
   </mc:AlternateContent>
